--- a/01面向有经验开发人员的 JavaScript 课程/MVA resource/01.pptx
+++ b/01面向有经验开发人员的 JavaScript 课程/MVA resource/01.pptx
@@ -325,7 +325,7 @@
           <a:p>
             <a:fld id="{312E7B4A-039C-48A2-9B2C-AF16AA3873D8}" type="datetimeFigureOut">
               <a:rPr lang="en-US" smtClean="0"/>
-              <a:t>10/28/2015</a:t>
+              <a:t>7/8/2016</a:t>
             </a:fld>
             <a:endParaRPr lang="en-US"/>
           </a:p>
@@ -490,7 +490,7 @@
           <a:p>
             <a:fld id="{DA005A0C-54D9-45AA-87D4-C551D08DFCE1}" type="datetimeFigureOut">
               <a:rPr lang="en-US" smtClean="0"/>
-              <a:t>10/28/2015</a:t>
+              <a:t>7/8/2016</a:t>
             </a:fld>
             <a:endParaRPr lang="en-US"/>
           </a:p>
@@ -17871,7 +17871,7 @@
             <a:endParaRPr lang="en-US" dirty="0"/>
           </a:p>
           <a:p>
-            <a:endParaRPr lang="en-US" smtClean="0"/>
+            <a:endParaRPr lang="en-US" dirty="0" smtClean="0"/>
           </a:p>
           <a:p>
             <a:endParaRPr lang="en-US" dirty="0" smtClean="0"/>
@@ -18080,7 +18080,31 @@
           <a:p>
             <a:r>
               <a:rPr lang="en-US" dirty="0" smtClean="0"/>
-              <a:t>Variables in JavaScript are either considered to be local or global</a:t>
+              <a:t>Variables in JavaScript are either considered to be </a:t>
+            </a:r>
+            <a:r>
+              <a:rPr lang="en-US" dirty="0" smtClean="0">
+                <a:solidFill>
+                  <a:srgbClr val="00B0F0"/>
+                </a:solidFill>
+              </a:rPr>
+              <a:t>local</a:t>
+            </a:r>
+            <a:r>
+              <a:rPr lang="en-US" dirty="0" smtClean="0"/>
+              <a:t> or </a:t>
+            </a:r>
+            <a:r>
+              <a:rPr lang="en-US" dirty="0" smtClean="0">
+                <a:solidFill>
+                  <a:srgbClr val="00B0F0"/>
+                </a:solidFill>
+              </a:rPr>
+              <a:t>globa</a:t>
+            </a:r>
+            <a:r>
+              <a:rPr lang="en-US" dirty="0" smtClean="0"/>
+              <a:t>l</a:t>
             </a:r>
           </a:p>
           <a:p>
@@ -18089,15 +18113,31 @@
               <a:t>Local Variable Scope: </a:t>
             </a:r>
             <a:r>
+              <a:rPr lang="en-US" dirty="0">
+                <a:solidFill>
+                  <a:srgbClr val="00B0F0"/>
+                </a:solidFill>
+              </a:rPr>
+              <a:t>local variables </a:t>
+            </a:r>
+            <a:r>
               <a:rPr lang="en-US" dirty="0"/>
-              <a:t>local variables can only be created in a function. </a:t>
+              <a:t>can only be created in a function. </a:t>
             </a:r>
             <a:endParaRPr lang="en-US" dirty="0" smtClean="0"/>
           </a:p>
           <a:p>
             <a:r>
               <a:rPr lang="en-US" dirty="0" smtClean="0"/>
-              <a:t>There is no such thing as block-level scope variables</a:t>
+              <a:t>There is no such thing as </a:t>
+            </a:r>
+            <a:r>
+              <a:rPr lang="en-US" dirty="0" smtClean="0">
+                <a:solidFill>
+                  <a:srgbClr val="FF0000"/>
+                </a:solidFill>
+              </a:rPr>
+              <a:t>block-level scope variables</a:t>
             </a:r>
           </a:p>
           <a:p>
@@ -18115,9 +18155,21 @@
             <a:pPr lvl="1"/>
             <a:r>
               <a:rPr lang="en-US" dirty="0" smtClean="0"/>
-              <a:t>Example: variables that are a part of an if statement is not local to the if statement, it is considered a global variable</a:t>
-            </a:r>
-            <a:endParaRPr lang="en-US" dirty="0"/>
+              <a:t>Example: variables that are a part of an if statement is not local to the if statement, it is considered </a:t>
+            </a:r>
+            <a:r>
+              <a:rPr lang="en-US" dirty="0" smtClean="0">
+                <a:solidFill>
+                  <a:srgbClr val="00B0F0"/>
+                </a:solidFill>
+              </a:rPr>
+              <a:t>a global variable</a:t>
+            </a:r>
+            <a:endParaRPr lang="en-US" dirty="0">
+              <a:solidFill>
+                <a:srgbClr val="00B0F0"/>
+              </a:solidFill>
+            </a:endParaRPr>
           </a:p>
         </p:txBody>
       </p:sp>
@@ -18174,7 +18226,27 @@
           <a:p>
             <a:r>
               <a:rPr lang="en-US" sz="2000" dirty="0" smtClean="0"/>
-              <a:t>As you can see the color variable in the if statement is global and though it is declared as a new variable in the if statement, it is not considered local because it is not in an function.</a:t>
+              <a:t>As you can see the color variable in the if statement is </a:t>
+            </a:r>
+            <a:r>
+              <a:rPr lang="en-US" sz="2000" dirty="0" smtClean="0">
+                <a:solidFill>
+                  <a:srgbClr val="00B050"/>
+                </a:solidFill>
+              </a:rPr>
+              <a:t>global </a:t>
+            </a:r>
+            <a:r>
+              <a:rPr lang="en-US" sz="2000" dirty="0" smtClean="0"/>
+              <a:t>and though it is declared as a new variable in the if statement, it is not considered local because it is </a:t>
+            </a:r>
+            <a:r>
+              <a:rPr lang="en-US" sz="2000" dirty="0" smtClean="0">
+                <a:solidFill>
+                  <a:srgbClr val="FF0000"/>
+                </a:solidFill>
+              </a:rPr>
+              <a:t>not in an function.</a:t>
             </a:r>
           </a:p>
         </p:txBody>
@@ -18321,10 +18393,18 @@
             <a:r>
               <a:rPr lang="en-US" dirty="0" smtClean="0">
                 <a:solidFill>
+                  <a:srgbClr val="FF0000"/>
+                </a:solidFill>
+              </a:rPr>
+              <a:t>global variable</a:t>
+            </a:r>
+            <a:r>
+              <a:rPr lang="en-US" dirty="0" smtClean="0">
+                <a:solidFill>
                   <a:srgbClr val="1A8505"/>
                 </a:solidFill>
               </a:rPr>
-              <a:t>global variable, so color</a:t>
+              <a:t>, so color</a:t>
             </a:r>
           </a:p>
           <a:p>
@@ -18472,7 +18552,31 @@
           <a:p>
             <a:r>
               <a:rPr lang="en-US" sz="2000" dirty="0" smtClean="0"/>
-              <a:t>Though both the local and global variable have the same name, the local variable will take precedence over the global variable in the </a:t>
+              <a:t>Though both the local and global variable have </a:t>
+            </a:r>
+            <a:r>
+              <a:rPr lang="en-US" sz="2000" dirty="0" smtClean="0">
+                <a:solidFill>
+                  <a:srgbClr val="00B0F0"/>
+                </a:solidFill>
+              </a:rPr>
+              <a:t>the same name</a:t>
+            </a:r>
+            <a:r>
+              <a:rPr lang="en-US" sz="2000" dirty="0" smtClean="0"/>
+              <a:t>, the local variable will take </a:t>
+            </a:r>
+            <a:r>
+              <a:rPr lang="en-US" sz="2000" dirty="0" smtClean="0">
+                <a:solidFill>
+                  <a:srgbClr val="00B050"/>
+                </a:solidFill>
+              </a:rPr>
+              <a:t>precedence</a:t>
+            </a:r>
+            <a:r>
+              <a:rPr lang="en-US" sz="2000" dirty="0" smtClean="0"/>
+              <a:t> over the global variable in the </a:t>
             </a:r>
             <a:r>
               <a:rPr lang="en-US" sz="2000" dirty="0" err="1" smtClean="0"/>
@@ -18622,7 +18726,15 @@
                   <a:srgbClr val="1A8505"/>
                 </a:solidFill>
               </a:rPr>
-              <a:t>// this is a local variable</a:t>
+              <a:t>// this is a </a:t>
+            </a:r>
+            <a:r>
+              <a:rPr lang="en-US" dirty="0">
+                <a:solidFill>
+                  <a:srgbClr val="FF0000"/>
+                </a:solidFill>
+              </a:rPr>
+              <a:t>local variable</a:t>
             </a:r>
           </a:p>
           <a:p>
@@ -18851,13 +18963,45 @@
             </a:r>
             <a:r>
               <a:rPr lang="en-US" dirty="0"/>
-              <a:t> keyword, followed by the name of the function and then a pair of parentheses, which will contain the parameters</a:t>
-            </a:r>
-          </a:p>
-          <a:p>
-            <a:r>
-              <a:rPr lang="en-US" dirty="0" smtClean="0"/>
-              <a:t>Functions in JavaScript have other capabilities that they do not have in other object oriented languages</a:t>
+              <a:t> keyword, followed by the name of the function and then a pair of </a:t>
+            </a:r>
+            <a:r>
+              <a:rPr lang="en-US" b="1" i="1" dirty="0" smtClean="0"/>
+              <a:t>parentheses</a:t>
+            </a:r>
+            <a:r>
+              <a:rPr lang="en-US" dirty="0" smtClean="0"/>
+              <a:t>, </a:t>
+            </a:r>
+            <a:r>
+              <a:rPr lang="en-US" dirty="0"/>
+              <a:t>which will contain the </a:t>
+            </a:r>
+            <a:r>
+              <a:rPr lang="en-US" b="1" i="1" dirty="0"/>
+              <a:t>parameters</a:t>
+            </a:r>
+          </a:p>
+          <a:p>
+            <a:r>
+              <a:rPr lang="en-US" dirty="0" smtClean="0"/>
+              <a:t>Functions in JavaScript have other </a:t>
+            </a:r>
+            <a:r>
+              <a:rPr lang="en-US" b="1" dirty="0" smtClean="0"/>
+              <a:t>capabilities</a:t>
+            </a:r>
+            <a:r>
+              <a:rPr lang="en-US" dirty="0" smtClean="0"/>
+              <a:t> that they do not have in other </a:t>
+            </a:r>
+            <a:r>
+              <a:rPr lang="en-US" b="1" dirty="0" smtClean="0">
+                <a:solidFill>
+                  <a:srgbClr val="00B0F0"/>
+                </a:solidFill>
+              </a:rPr>
+              <a:t>object oriented languages</a:t>
             </a:r>
           </a:p>
           <a:p>
@@ -18979,7 +19123,11 @@
           <a:lstStyle/>
           <a:p>
             <a:r>
-              <a:rPr lang="en-US" dirty="0" smtClean="0"/>
+              <a:rPr lang="en-US" dirty="0" smtClean="0">
+                <a:solidFill>
+                  <a:srgbClr val="FF0000"/>
+                </a:solidFill>
+              </a:rPr>
               <a:t>Self Invoking Functions:</a:t>
             </a:r>
           </a:p>
@@ -18996,13 +19144,45 @@
           <a:p>
             <a:r>
               <a:rPr lang="en-US" sz="2400" dirty="0" smtClean="0"/>
-              <a:t>- These functions run automatically. No call to the function needed. </a:t>
-            </a:r>
-          </a:p>
-          <a:p>
+              <a:t>- These functions </a:t>
+            </a:r>
+            <a:r>
+              <a:rPr lang="en-US" sz="2400" dirty="0" smtClean="0">
+                <a:solidFill>
+                  <a:srgbClr val="00B0F0"/>
+                </a:solidFill>
+              </a:rPr>
+              <a:t>run automatically</a:t>
+            </a:r>
             <a:r>
               <a:rPr lang="en-US" sz="2400" dirty="0" smtClean="0"/>
-              <a:t>- They can be anonymous or not.</a:t>
+              <a:t>. No call to the function needed. </a:t>
+            </a:r>
+          </a:p>
+          <a:p>
+            <a:r>
+              <a:rPr lang="en-US" sz="2400" dirty="0" smtClean="0"/>
+              <a:t>- </a:t>
+            </a:r>
+            <a:r>
+              <a:rPr lang="en-US" sz="2400" b="0" i="1" u="sng" dirty="0" smtClean="0"/>
+              <a:t>They can be </a:t>
+            </a:r>
+            <a:r>
+              <a:rPr lang="en-US" sz="2400" b="0" i="1" u="sng" dirty="0" smtClean="0">
+                <a:solidFill>
+                  <a:srgbClr val="00B0F0"/>
+                </a:solidFill>
+              </a:rPr>
+              <a:t>anonymous </a:t>
+            </a:r>
+            <a:r>
+              <a:rPr lang="en-US" sz="2400" b="0" i="1" u="sng" dirty="0" smtClean="0"/>
+              <a:t>or not</a:t>
+            </a:r>
+            <a:r>
+              <a:rPr lang="en-US" sz="2400" dirty="0" smtClean="0"/>
+              <a:t>.</a:t>
             </a:r>
             <a:endParaRPr lang="en-US" sz="2400" dirty="0"/>
           </a:p>
@@ -19069,7 +19249,23 @@
                   <a:schemeClr val="accent6"/>
                 </a:solidFill>
               </a:rPr>
-              <a:t>"This function will automatically print this statement"</a:t>
+              <a:t>"This function will </a:t>
+            </a:r>
+            <a:r>
+              <a:rPr lang="en-US" dirty="0" smtClean="0">
+                <a:solidFill>
+                  <a:srgbClr val="FF0000"/>
+                </a:solidFill>
+              </a:rPr>
+              <a:t>automatically</a:t>
+            </a:r>
+            <a:r>
+              <a:rPr lang="en-US" dirty="0" smtClean="0">
+                <a:solidFill>
+                  <a:schemeClr val="accent6"/>
+                </a:solidFill>
+              </a:rPr>
+              <a:t> print this statement"</a:t>
             </a:r>
             <a:r>
               <a:rPr lang="en-US" dirty="0" smtClean="0"/>
@@ -19093,7 +19289,23 @@
                   <a:srgbClr val="1A8505"/>
                 </a:solidFill>
               </a:rPr>
-              <a:t>// Be sure to wrap the function in parentheses and add another pair of parentheses at the end of the function</a:t>
+              <a:t>// Be sure to wrap the function in </a:t>
+            </a:r>
+            <a:r>
+              <a:rPr lang="en-US" dirty="0" smtClean="0">
+                <a:solidFill>
+                  <a:srgbClr val="FF0000"/>
+                </a:solidFill>
+              </a:rPr>
+              <a:t>parentheses</a:t>
+            </a:r>
+            <a:r>
+              <a:rPr lang="en-US" dirty="0" smtClean="0">
+                <a:solidFill>
+                  <a:srgbClr val="1A8505"/>
+                </a:solidFill>
+              </a:rPr>
+              <a:t> and add another pair of parentheses at the end of the function</a:t>
             </a:r>
             <a:endParaRPr lang="en-US" dirty="0"/>
           </a:p>
@@ -19174,14 +19386,38 @@
           <a:p>
             <a:r>
               <a:rPr lang="en-US" dirty="0" smtClean="0"/>
-              <a:t>Similar to a nested function, an enclosure </a:t>
+              <a:t>Similar to a </a:t>
+            </a:r>
+            <a:r>
+              <a:rPr lang="en-US" dirty="0" smtClean="0">
+                <a:solidFill>
+                  <a:srgbClr val="00B0F0"/>
+                </a:solidFill>
+              </a:rPr>
+              <a:t>nested function</a:t>
+            </a:r>
+            <a:r>
+              <a:rPr lang="en-US" dirty="0" smtClean="0"/>
+              <a:t>, an enclosure </a:t>
             </a:r>
             <a:r>
               <a:rPr lang="en-US" dirty="0"/>
-              <a:t>is a function written inside another function</a:t>
-            </a:r>
-            <a:r>
-              <a:rPr lang="en-US" dirty="0" smtClean="0"/>
+              <a:t>is a function written </a:t>
+            </a:r>
+            <a:r>
+              <a:rPr lang="en-US" dirty="0">
+                <a:solidFill>
+                  <a:srgbClr val="00B0F0"/>
+                </a:solidFill>
+              </a:rPr>
+              <a:t>inside another function</a:t>
+            </a:r>
+            <a:r>
+              <a:rPr lang="en-US" dirty="0" smtClean="0">
+                <a:solidFill>
+                  <a:srgbClr val="00B0F0"/>
+                </a:solidFill>
+              </a:rPr>
               <a:t>.</a:t>
             </a:r>
           </a:p>
@@ -19195,7 +19431,11 @@
               <a:t>enclosure has </a:t>
             </a:r>
             <a:r>
-              <a:rPr lang="en-US" dirty="0" smtClean="0"/>
+              <a:rPr lang="en-US" b="1" dirty="0" smtClean="0">
+                <a:solidFill>
+                  <a:srgbClr val="00B050"/>
+                </a:solidFill>
+              </a:rPr>
               <a:t>access to</a:t>
             </a:r>
           </a:p>
@@ -19206,8 +19446,16 @@
               <a:t> its </a:t>
             </a:r>
             <a:r>
+              <a:rPr lang="en-US" dirty="0">
+                <a:solidFill>
+                  <a:srgbClr val="00B0F0"/>
+                </a:solidFill>
+              </a:rPr>
+              <a:t>own</a:t>
+            </a:r>
+            <a:r>
               <a:rPr lang="en-US" dirty="0"/>
-              <a:t>own </a:t>
+              <a:t> </a:t>
             </a:r>
             <a:r>
               <a:rPr lang="en-US" dirty="0" smtClean="0"/>
@@ -19218,7 +19466,19 @@
             <a:pPr lvl="1"/>
             <a:r>
               <a:rPr lang="en-US" dirty="0" smtClean="0"/>
-              <a:t> outer </a:t>
+              <a:t> </a:t>
+            </a:r>
+            <a:r>
+              <a:rPr lang="en-US" dirty="0" smtClean="0">
+                <a:solidFill>
+                  <a:srgbClr val="00B0F0"/>
+                </a:solidFill>
+              </a:rPr>
+              <a:t>outer</a:t>
+            </a:r>
+            <a:r>
+              <a:rPr lang="en-US" dirty="0" smtClean="0"/>
+              <a:t> </a:t>
             </a:r>
             <a:r>
               <a:rPr lang="en-US" dirty="0"/>
@@ -19241,8 +19501,16 @@
               <a:t> </a:t>
             </a:r>
             <a:r>
-              <a:rPr lang="en-US" dirty="0" smtClean="0"/>
-              <a:t>global </a:t>
+              <a:rPr lang="en-US" dirty="0" smtClean="0">
+                <a:solidFill>
+                  <a:srgbClr val="00B0F0"/>
+                </a:solidFill>
+              </a:rPr>
+              <a:t>global</a:t>
+            </a:r>
+            <a:r>
+              <a:rPr lang="en-US" dirty="0" smtClean="0"/>
+              <a:t> </a:t>
             </a:r>
             <a:r>
               <a:rPr lang="en-US" dirty="0"/>
@@ -19276,7 +19544,15 @@
             </a:r>
             <a:r>
               <a:rPr lang="en-US" dirty="0"/>
-              <a:t>an enclosure will not be created properly unless the function keyword is used.</a:t>
+              <a:t>an enclosure will not be created properly unless the </a:t>
+            </a:r>
+            <a:r>
+              <a:rPr lang="en-US" b="1" i="1" dirty="0"/>
+              <a:t>function</a:t>
+            </a:r>
+            <a:r>
+              <a:rPr lang="en-US" dirty="0"/>
+              <a:t> keyword is used.</a:t>
             </a:r>
           </a:p>
           <a:p>
@@ -19553,16 +19829,32 @@
               <a:buAutoNum type="arabicPeriod"/>
             </a:pPr>
             <a:r>
+              <a:rPr lang="en-US" sz="2600" b="0" dirty="0">
+                <a:solidFill>
+                  <a:srgbClr val="92D050"/>
+                </a:solidFill>
+              </a:rPr>
+              <a:t>N</a:t>
+            </a:r>
+            <a:r>
+              <a:rPr lang="en-US" sz="2600" b="0" dirty="0" smtClean="0">
+                <a:solidFill>
+                  <a:srgbClr val="92D050"/>
+                </a:solidFill>
+              </a:rPr>
+              <a:t>o </a:t>
+            </a:r>
+            <a:r>
+              <a:rPr lang="en-US" sz="2600" b="0" dirty="0">
+                <a:solidFill>
+                  <a:srgbClr val="92D050"/>
+                </a:solidFill>
+              </a:rPr>
+              <a:t>parameters were passed</a:t>
+            </a:r>
+            <a:r>
               <a:rPr lang="en-US" sz="2600" b="0" dirty="0"/>
-              <a:t>N</a:t>
-            </a:r>
-            <a:r>
-              <a:rPr lang="en-US" sz="2600" b="0" dirty="0" smtClean="0"/>
-              <a:t>o </a:t>
-            </a:r>
-            <a:r>
-              <a:rPr lang="en-US" sz="2600" b="0" dirty="0"/>
-              <a:t>parameters were passed to the </a:t>
+              <a:t> to the </a:t>
             </a:r>
             <a:r>
               <a:rPr lang="en-US" sz="2600" b="0" dirty="0" err="1"/>
@@ -19570,7 +19862,11 @@
             </a:r>
             <a:r>
               <a:rPr lang="en-US" sz="2600" b="0" dirty="0"/>
-              <a:t> function yet it was able to print the name accurately . </a:t>
+              <a:t> function yet it was able to print the name </a:t>
+            </a:r>
+            <a:r>
+              <a:rPr lang="en-US" sz="2600" dirty="0"/>
+              <a:t>accurately . </a:t>
             </a:r>
           </a:p>
           <a:p>
@@ -19580,11 +19876,19 @@
             </a:pPr>
             <a:r>
               <a:rPr lang="en-US" sz="2600" b="0" dirty="0" smtClean="0"/>
-              <a:t>The </a:t>
+              <a:t>The</a:t>
+            </a:r>
+            <a:r>
+              <a:rPr lang="en-US" sz="2600" dirty="0" smtClean="0"/>
+              <a:t> </a:t>
+            </a:r>
+            <a:r>
+              <a:rPr lang="en-US" sz="2600" dirty="0"/>
+              <a:t>function </a:t>
             </a:r>
             <a:r>
               <a:rPr lang="en-US" sz="2600" b="0" dirty="0"/>
-              <a:t>function keyword is being used to define the enclosure</a:t>
+              <a:t>keyword is being used to define the enclosure</a:t>
             </a:r>
           </a:p>
           <a:p>
@@ -19658,7 +19962,27 @@
               <a:rPr lang="en-US" dirty="0" smtClean="0"/>
               <a:t>{</a:t>
             </a:r>
-            <a:endParaRPr lang="en-US" dirty="0"/>
+            <a:r>
+              <a:rPr lang="en-US" altLang="zh-CN" dirty="0">
+                <a:solidFill>
+                  <a:srgbClr val="1A8505"/>
+                </a:solidFill>
+              </a:rPr>
+              <a:t>// This is </a:t>
+            </a:r>
+            <a:r>
+              <a:rPr lang="en-US" altLang="zh-CN" dirty="0">
+                <a:solidFill>
+                  <a:srgbClr val="92D050"/>
+                </a:solidFill>
+              </a:rPr>
+              <a:t>parameters</a:t>
+            </a:r>
+            <a:endParaRPr lang="en-US" dirty="0">
+              <a:solidFill>
+                <a:srgbClr val="92D050"/>
+              </a:solidFill>
+            </a:endParaRPr>
           </a:p>
           <a:p>
             <a:r>
@@ -19714,7 +20038,27 @@
               <a:rPr lang="en-US" dirty="0" smtClean="0"/>
               <a:t>;</a:t>
             </a:r>
-            <a:endParaRPr lang="en-US" dirty="0"/>
+            <a:r>
+              <a:rPr lang="en-US" altLang="zh-CN" dirty="0">
+                <a:solidFill>
+                  <a:srgbClr val="1A8505"/>
+                </a:solidFill>
+              </a:rPr>
+              <a:t> // This is </a:t>
+            </a:r>
+            <a:r>
+              <a:rPr lang="en-US" altLang="zh-CN" dirty="0" smtClean="0">
+                <a:solidFill>
+                  <a:srgbClr val="92D050"/>
+                </a:solidFill>
+              </a:rPr>
+              <a:t>variables</a:t>
+            </a:r>
+            <a:endParaRPr lang="en-US" dirty="0">
+              <a:solidFill>
+                <a:srgbClr val="92D050"/>
+              </a:solidFill>
+            </a:endParaRPr>
           </a:p>
           <a:p>
             <a:r>
@@ -19728,7 +20072,7 @@
               <a:t>	</a:t>
             </a:r>
             <a:r>
-              <a:rPr lang="en-US" dirty="0">
+              <a:rPr lang="en-US" b="1" dirty="0">
                 <a:solidFill>
                   <a:schemeClr val="tx2">
                     <a:lumMod val="60000"/>
@@ -19756,9 +20100,21 @@
                   <a:srgbClr val="1A8505"/>
                 </a:solidFill>
               </a:rPr>
-              <a:t>// This is an enclosure</a:t>
-            </a:r>
-            <a:endParaRPr lang="en-US" dirty="0"/>
+              <a:t>// This is an </a:t>
+            </a:r>
+            <a:r>
+              <a:rPr lang="en-US" b="1" dirty="0" smtClean="0">
+                <a:solidFill>
+                  <a:srgbClr val="FF0000"/>
+                </a:solidFill>
+              </a:rPr>
+              <a:t>enclosure</a:t>
+            </a:r>
+            <a:endParaRPr lang="en-US" b="1" dirty="0">
+              <a:solidFill>
+                <a:srgbClr val="FF0000"/>
+              </a:solidFill>
+            </a:endParaRPr>
           </a:p>
           <a:p>
             <a:r>
@@ -19835,10 +20191,10 @@
           <a:p>
             <a:r>
               <a:rPr lang="en-US" dirty="0"/>
-              <a:t>		</a:t>
-            </a:r>
-            <a:r>
-              <a:rPr lang="en-US" dirty="0">
+              <a:t>	</a:t>
+            </a:r>
+            <a:r>
+              <a:rPr lang="en-US" dirty="0" smtClean="0">
                 <a:solidFill>
                   <a:schemeClr val="tx2">
                     <a:lumMod val="60000"/>
@@ -19849,7 +20205,7 @@
               <a:t>return</a:t>
             </a:r>
             <a:r>
-              <a:rPr lang="en-US" dirty="0"/>
+              <a:rPr lang="en-US" dirty="0" smtClean="0"/>
               <a:t> </a:t>
             </a:r>
             <a:r>
@@ -20006,7 +20362,15 @@
           <a:p>
             <a:r>
               <a:rPr lang="en-US" dirty="0" smtClean="0"/>
-              <a:t>Enclosure Fun Facts	</a:t>
+              <a:t>Enclosure Fun </a:t>
+            </a:r>
+            <a:r>
+              <a:rPr lang="en-US" b="1" dirty="0" smtClean="0"/>
+              <a:t>Facts</a:t>
+            </a:r>
+            <a:r>
+              <a:rPr lang="en-US" dirty="0" smtClean="0"/>
+              <a:t>	</a:t>
             </a:r>
             <a:endParaRPr lang="en-US" dirty="0"/>
           </a:p>
@@ -20029,15 +20393,51 @@
           <a:p>
             <a:r>
               <a:rPr lang="en-US" dirty="0" smtClean="0"/>
-              <a:t>Being that enclosures have access to their outer functions variables and parameters, this allows the enclosures to be called later after the function returns and still be able to have access to these variables</a:t>
-            </a:r>
-          </a:p>
-          <a:p>
-            <a:r>
-              <a:rPr lang="en-US" dirty="0" smtClean="0"/>
-              <a:t>Enclosures only store references to outer function variables, not the actual variables themselves. This allows for variables to be updated at all times</a:t>
-            </a:r>
-            <a:endParaRPr lang="en-US" dirty="0"/>
+              <a:t>Being that enclosures </a:t>
+            </a:r>
+            <a:r>
+              <a:rPr lang="en-US" b="1" dirty="0" smtClean="0">
+                <a:solidFill>
+                  <a:srgbClr val="00B0F0"/>
+                </a:solidFill>
+              </a:rPr>
+              <a:t>have access to </a:t>
+            </a:r>
+            <a:r>
+              <a:rPr lang="en-US" dirty="0" smtClean="0"/>
+              <a:t>their outer functions variables and parameters, this allows the enclosures to be called later after the function returns and still be able to have access to these variables</a:t>
+            </a:r>
+          </a:p>
+          <a:p>
+            <a:r>
+              <a:rPr lang="en-US" dirty="0" smtClean="0"/>
+              <a:t>Enclosures only </a:t>
+            </a:r>
+            <a:r>
+              <a:rPr lang="en-US" b="1" dirty="0" smtClean="0">
+                <a:solidFill>
+                  <a:srgbClr val="00B0F0"/>
+                </a:solidFill>
+              </a:rPr>
+              <a:t>store references </a:t>
+            </a:r>
+            <a:r>
+              <a:rPr lang="en-US" dirty="0" smtClean="0"/>
+              <a:t>to outer function variables, not the actual variables themselves. This allows for variables to be </a:t>
+            </a:r>
+            <a:r>
+              <a:rPr lang="en-US" dirty="0" smtClean="0">
+                <a:solidFill>
+                  <a:srgbClr val="00B0F0"/>
+                </a:solidFill>
+              </a:rPr>
+              <a:t>updated at all times</a:t>
+            </a:r>
+            <a:endParaRPr lang="en-US" dirty="0">
+              <a:solidFill>
+                <a:srgbClr val="00B0F0"/>
+              </a:solidFill>
+            </a:endParaRPr>
           </a:p>
         </p:txBody>
       </p:sp>
@@ -20250,7 +20650,15 @@
           <a:p>
             <a:r>
               <a:rPr lang="en-US" dirty="0" smtClean="0"/>
-              <a:t>The “write less, do more” JavaScript library</a:t>
+              <a:t>The “</a:t>
+            </a:r>
+            <a:r>
+              <a:rPr lang="en-US" b="1" dirty="0" smtClean="0"/>
+              <a:t>write less, do more</a:t>
+            </a:r>
+            <a:r>
+              <a:rPr lang="en-US" dirty="0" smtClean="0"/>
+              <a:t>” JavaScript library</a:t>
             </a:r>
           </a:p>
           <a:p>
@@ -20259,7 +20667,15 @@
           <a:p>
             <a:r>
               <a:rPr lang="en-US" dirty="0" smtClean="0"/>
-              <a:t>Used to simplify tasks of JavaScript by writing less code</a:t>
+              <a:t>Used to </a:t>
+            </a:r>
+            <a:r>
+              <a:rPr lang="en-US" b="1" dirty="0" smtClean="0"/>
+              <a:t>simplify tasks </a:t>
+            </a:r>
+            <a:r>
+              <a:rPr lang="en-US" dirty="0" smtClean="0"/>
+              <a:t>of JavaScript by writing less code</a:t>
             </a:r>
           </a:p>
           <a:p>
@@ -20268,9 +20684,21 @@
           <a:p>
             <a:r>
               <a:rPr lang="en-US" dirty="0" smtClean="0"/>
-              <a:t>Used for event handling and animations</a:t>
-            </a:r>
-            <a:endParaRPr lang="en-US" dirty="0"/>
+              <a:t>Used for </a:t>
+            </a:r>
+            <a:r>
+              <a:rPr lang="en-US" b="1" dirty="0" smtClean="0"/>
+              <a:t>event handling </a:t>
+            </a:r>
+            <a:r>
+              <a:rPr lang="en-US" dirty="0" smtClean="0"/>
+              <a:t>and </a:t>
+            </a:r>
+            <a:r>
+              <a:rPr lang="en-US" b="1" dirty="0" smtClean="0"/>
+              <a:t>animations</a:t>
+            </a:r>
+            <a:endParaRPr lang="en-US" b="1" dirty="0"/>
           </a:p>
         </p:txBody>
       </p:sp>
@@ -20323,25 +20751,77 @@
           <a:p>
             <a:r>
               <a:rPr lang="en-US" dirty="0" smtClean="0"/>
-              <a:t>Syntax: The basis is to select a HTML elements and perform some action on the element</a:t>
-            </a:r>
-          </a:p>
-          <a:p>
-            <a:r>
-              <a:rPr lang="en-US" dirty="0" smtClean="0"/>
-              <a:t>$ sign defines/accesses jQuery</a:t>
-            </a:r>
-          </a:p>
-          <a:p>
-            <a:r>
-              <a:rPr lang="en-US" dirty="0" smtClean="0"/>
-              <a:t>(selector) is used to find the element of choice</a:t>
-            </a:r>
-          </a:p>
-          <a:p>
-            <a:r>
-              <a:rPr lang="en-US" dirty="0" smtClean="0"/>
-              <a:t>.action( ) is performed on the element</a:t>
+              <a:t>Syntax: The basis is to select a HTML </a:t>
+            </a:r>
+            <a:r>
+              <a:rPr lang="en-US" dirty="0" smtClean="0">
+                <a:solidFill>
+                  <a:srgbClr val="00B0F0"/>
+                </a:solidFill>
+              </a:rPr>
+              <a:t>elements</a:t>
+            </a:r>
+            <a:r>
+              <a:rPr lang="en-US" dirty="0" smtClean="0"/>
+              <a:t> and perform some </a:t>
+            </a:r>
+            <a:r>
+              <a:rPr lang="en-US" dirty="0" smtClean="0">
+                <a:solidFill>
+                  <a:srgbClr val="00B0F0"/>
+                </a:solidFill>
+              </a:rPr>
+              <a:t>action </a:t>
+            </a:r>
+            <a:r>
+              <a:rPr lang="en-US" dirty="0" smtClean="0"/>
+              <a:t>on the element</a:t>
+            </a:r>
+          </a:p>
+          <a:p>
+            <a:r>
+              <a:rPr lang="en-US" dirty="0" smtClean="0">
+                <a:solidFill>
+                  <a:srgbClr val="00B0F0"/>
+                </a:solidFill>
+              </a:rPr>
+              <a:t>$ </a:t>
+            </a:r>
+            <a:r>
+              <a:rPr lang="en-US" dirty="0" smtClean="0"/>
+              <a:t>sign defines/accesses </a:t>
+            </a:r>
+            <a:r>
+              <a:rPr lang="en-US" i="1" dirty="0" smtClean="0"/>
+              <a:t>jQuery</a:t>
+            </a:r>
+          </a:p>
+          <a:p>
+            <a:r>
+              <a:rPr lang="en-US" dirty="0" smtClean="0">
+                <a:solidFill>
+                  <a:srgbClr val="00B0F0"/>
+                </a:solidFill>
+              </a:rPr>
+              <a:t>(selector) </a:t>
+            </a:r>
+            <a:r>
+              <a:rPr lang="en-US" dirty="0" smtClean="0"/>
+              <a:t>is used to find the element of choice</a:t>
+            </a:r>
+          </a:p>
+          <a:p>
+            <a:r>
+              <a:rPr lang="en-US" dirty="0" smtClean="0">
+                <a:solidFill>
+                  <a:srgbClr val="00B0F0"/>
+                </a:solidFill>
+              </a:rPr>
+              <a:t>.action( ) </a:t>
+            </a:r>
+            <a:r>
+              <a:rPr lang="en-US" dirty="0" smtClean="0"/>
+              <a:t>is performed on the element</a:t>
             </a:r>
             <a:endParaRPr lang="en-US" dirty="0"/>
           </a:p>
@@ -20451,11 +20931,7 @@
             </a:r>
             <a:r>
               <a:rPr lang="en-US" dirty="0" smtClean="0"/>
-              <a:t>).</a:t>
-            </a:r>
-            <a:r>
-              <a:rPr lang="en-US" dirty="0" smtClean="0"/>
-              <a:t>hide();</a:t>
+              <a:t>).hide();</a:t>
             </a:r>
           </a:p>
           <a:p>
@@ -20464,11 +20940,7 @@
           <a:p>
             <a:r>
               <a:rPr lang="en-US" dirty="0" smtClean="0"/>
-              <a:t>	</a:t>
-            </a:r>
-            <a:r>
-              <a:rPr lang="en-US" dirty="0" smtClean="0"/>
-              <a:t>$(</a:t>
+              <a:t>	$(</a:t>
             </a:r>
             <a:r>
               <a:rPr lang="en-US" dirty="0">
@@ -20480,11 +20952,7 @@
             </a:r>
             <a:r>
               <a:rPr lang="en-US" dirty="0" smtClean="0"/>
-              <a:t>).</a:t>
-            </a:r>
-            <a:r>
-              <a:rPr lang="en-US" dirty="0" smtClean="0"/>
-              <a:t>hide();</a:t>
+              <a:t>).hide();</a:t>
             </a:r>
           </a:p>
           <a:p>
@@ -20663,14 +21131,38 @@
           <a:lstStyle/>
           <a:p>
             <a:r>
-              <a:rPr lang="en-US" dirty="0" smtClean="0"/>
-              <a:t>Anonymous functions, simply put, are functions without names</a:t>
-            </a:r>
-          </a:p>
-          <a:p>
-            <a:r>
-              <a:rPr lang="en-US" dirty="0" smtClean="0"/>
-              <a:t>They are all dynamically declared at runtime</a:t>
+              <a:rPr lang="en-US" dirty="0" smtClean="0">
+                <a:solidFill>
+                  <a:srgbClr val="00B0F0"/>
+                </a:solidFill>
+              </a:rPr>
+              <a:t>Anonymous functions</a:t>
+            </a:r>
+            <a:r>
+              <a:rPr lang="en-US" dirty="0" smtClean="0"/>
+              <a:t>, simply put, are functions </a:t>
+            </a:r>
+            <a:r>
+              <a:rPr lang="en-US" b="1" dirty="0" smtClean="0"/>
+              <a:t>without names</a:t>
+            </a:r>
+          </a:p>
+          <a:p>
+            <a:r>
+              <a:rPr lang="en-US" dirty="0" smtClean="0"/>
+              <a:t>They are all </a:t>
+            </a:r>
+            <a:r>
+              <a:rPr lang="en-US" b="1" dirty="0" smtClean="0">
+                <a:solidFill>
+                  <a:srgbClr val="00B0F0"/>
+                </a:solidFill>
+              </a:rPr>
+              <a:t>dynamically declared </a:t>
+            </a:r>
+            <a:r>
+              <a:rPr lang="en-US" dirty="0" smtClean="0"/>
+              <a:t>at runtime</a:t>
             </a:r>
           </a:p>
           <a:p>
@@ -20683,40 +21175,86 @@
             <a:pPr lvl="1"/>
             <a:r>
               <a:rPr lang="en-US" dirty="0" smtClean="0"/>
-              <a:t>As a function expression</a:t>
+              <a:t>As a </a:t>
+            </a:r>
+            <a:r>
+              <a:rPr lang="en-US" b="1" dirty="0" smtClean="0"/>
+              <a:t>function expression</a:t>
             </a:r>
           </a:p>
           <a:p>
             <a:pPr lvl="1"/>
             <a:r>
               <a:rPr lang="en-US" dirty="0" smtClean="0"/>
-              <a:t>In an object</a:t>
+              <a:t>In an </a:t>
+            </a:r>
+            <a:r>
+              <a:rPr lang="en-US" b="1" dirty="0" smtClean="0"/>
+              <a:t>objec</a:t>
+            </a:r>
+            <a:r>
+              <a:rPr lang="en-US" dirty="0" smtClean="0"/>
+              <a:t>t</a:t>
             </a:r>
           </a:p>
           <a:p>
             <a:pPr lvl="1"/>
             <a:r>
               <a:rPr lang="en-US" dirty="0" smtClean="0"/>
-              <a:t>As an event handler</a:t>
+              <a:t>As an </a:t>
+            </a:r>
+            <a:r>
+              <a:rPr lang="en-US" b="1" dirty="0" smtClean="0"/>
+              <a:t>event handler</a:t>
             </a:r>
           </a:p>
           <a:p>
             <a:pPr lvl="1"/>
             <a:r>
               <a:rPr lang="en-US" dirty="0" smtClean="0"/>
-              <a:t>As an self evoking function</a:t>
-            </a:r>
-          </a:p>
-          <a:p>
-            <a:r>
-              <a:rPr lang="en-US" dirty="0" smtClean="0"/>
-              <a:t>Common uses are for recursion and </a:t>
-            </a:r>
-            <a:r>
-              <a:rPr lang="en-US" dirty="0" smtClean="0"/>
+              <a:t>As an </a:t>
+            </a:r>
+            <a:r>
+              <a:rPr lang="en-US" b="1" dirty="0" smtClean="0"/>
+              <a:t>self evoking function</a:t>
+            </a:r>
+          </a:p>
+          <a:p>
+            <a:r>
+              <a:rPr lang="en-US" dirty="0" smtClean="0"/>
+              <a:t>Common uses are for </a:t>
+            </a:r>
+            <a:r>
+              <a:rPr lang="en-US" b="1" i="1" u="sng" dirty="0" smtClean="0"/>
+              <a:t>recursion</a:t>
+            </a:r>
+            <a:r>
+              <a:rPr lang="en-US" u="sng" dirty="0" smtClean="0"/>
+              <a:t> </a:t>
+            </a:r>
+            <a:r>
+              <a:rPr lang="en-US" dirty="0" smtClean="0"/>
+              <a:t>and </a:t>
+            </a:r>
+            <a:r>
+              <a:rPr lang="en-US" b="1" i="1" u="sng" dirty="0" smtClean="0"/>
               <a:t>enclosures</a:t>
             </a:r>
-            <a:endParaRPr lang="en-US" dirty="0"/>
+          </a:p>
+          <a:p>
+            <a:r>
+              <a:rPr lang="zh-CN" altLang="en-US" b="1" u="sng" dirty="0" smtClean="0"/>
+              <a:t>递归 </a:t>
+            </a:r>
+            <a:r>
+              <a:rPr lang="en-US" altLang="zh-CN" b="1" u="sng" dirty="0" smtClean="0"/>
+              <a:t>&amp; </a:t>
+            </a:r>
+            <a:r>
+              <a:rPr lang="zh-CN" altLang="en-US" b="1" u="sng" dirty="0" smtClean="0"/>
+              <a:t>闭包</a:t>
+            </a:r>
+            <a:endParaRPr lang="en-US" b="1" u="sng" dirty="0"/>
           </a:p>
           <a:p>
             <a:pPr lvl="3"/>
@@ -20786,26 +21324,30 @@
           <a:p>
             <a:r>
               <a:rPr lang="en-US" sz="2400" dirty="0" smtClean="0"/>
-              <a:t>Both functions logically do the same things, and can both </a:t>
-            </a:r>
-            <a:r>
-              <a:rPr lang="en-US" sz="2400" smtClean="0"/>
-              <a:t>be </a:t>
-            </a:r>
-            <a:r>
-              <a:rPr lang="en-US" sz="2400" smtClean="0"/>
-              <a:t>invoked </a:t>
+              <a:t>Both functions logically do the same things, and can both be </a:t>
+            </a:r>
+            <a:r>
+              <a:rPr lang="en-US" sz="2400" i="1" dirty="0" smtClean="0"/>
+              <a:t>invoked</a:t>
             </a:r>
             <a:r>
               <a:rPr lang="en-US" sz="2400" dirty="0" smtClean="0"/>
-              <a:t>the same way (by calling </a:t>
-            </a:r>
-            <a:r>
-              <a:rPr lang="en-US" sz="2400" i="1" dirty="0" err="1" smtClean="0"/>
+              <a:t> the same way (by calling </a:t>
+            </a:r>
+            <a:r>
+              <a:rPr lang="en-US" sz="2400" i="1" dirty="0" err="1" smtClean="0">
+                <a:solidFill>
+                  <a:srgbClr val="00B0F0"/>
+                </a:solidFill>
+              </a:rPr>
               <a:t>meTime</a:t>
             </a:r>
             <a:r>
-              <a:rPr lang="en-US" sz="2400" i="1" dirty="0" smtClean="0"/>
+              <a:rPr lang="en-US" sz="2400" i="1" dirty="0" smtClean="0">
+                <a:solidFill>
+                  <a:srgbClr val="00B0F0"/>
+                </a:solidFill>
+              </a:rPr>
               <a:t>(); </a:t>
             </a:r>
             <a:r>
@@ -20816,7 +21358,19 @@
           <a:p>
             <a:r>
               <a:rPr lang="en-US" sz="2400" dirty="0" smtClean="0"/>
-              <a:t>However the Anonymous function can not be accessed before the </a:t>
+              <a:t>However the Anonymous function </a:t>
+            </a:r>
+            <a:r>
+              <a:rPr lang="en-US" sz="2400" dirty="0" smtClean="0">
+                <a:solidFill>
+                  <a:srgbClr val="00B0F0"/>
+                </a:solidFill>
+              </a:rPr>
+              <a:t>can not be accessed </a:t>
+            </a:r>
+            <a:r>
+              <a:rPr lang="en-US" sz="2400" dirty="0" smtClean="0"/>
+              <a:t>before the </a:t>
             </a:r>
             <a:r>
               <a:rPr lang="en-US" sz="2400" dirty="0" err="1" smtClean="0"/>
@@ -20824,9 +21378,33 @@
             </a:r>
             <a:r>
               <a:rPr lang="en-US" sz="2400" dirty="0" smtClean="0"/>
-              <a:t> variable is declared, while the Named Function can be accessed at any time</a:t>
-            </a:r>
-            <a:endParaRPr lang="en-US" sz="2400" dirty="0"/>
+              <a:t> variable is </a:t>
+            </a:r>
+            <a:r>
+              <a:rPr lang="en-US" sz="2400" dirty="0" smtClean="0">
+                <a:solidFill>
+                  <a:srgbClr val="00B0F0"/>
+                </a:solidFill>
+              </a:rPr>
+              <a:t>declared</a:t>
+            </a:r>
+            <a:r>
+              <a:rPr lang="en-US" sz="2400" dirty="0" smtClean="0"/>
+              <a:t>, while the Named Function </a:t>
+            </a:r>
+            <a:r>
+              <a:rPr lang="en-US" sz="2400" dirty="0" smtClean="0">
+                <a:solidFill>
+                  <a:srgbClr val="00B0F0"/>
+                </a:solidFill>
+              </a:rPr>
+              <a:t>can be accessed at any time</a:t>
+            </a:r>
+            <a:endParaRPr lang="en-US" sz="2400" dirty="0">
+              <a:solidFill>
+                <a:srgbClr val="00B0F0"/>
+              </a:solidFill>
+            </a:endParaRPr>
           </a:p>
         </p:txBody>
       </p:sp>
@@ -21300,23 +21878,71 @@
           <a:lstStyle/>
           <a:p>
             <a:r>
-              <a:rPr lang="en-US" dirty="0" smtClean="0"/>
+              <a:rPr lang="en-US" dirty="0" smtClean="0">
+                <a:solidFill>
+                  <a:srgbClr val="FF0000"/>
+                </a:solidFill>
+              </a:rPr>
               <a:t>Recursion</a:t>
             </a:r>
           </a:p>
           <a:p>
             <a:r>
               <a:rPr lang="en-US" dirty="0" smtClean="0"/>
-              <a:t>Since this function does not have a name, to call the function again you use the </a:t>
-            </a:r>
-            <a:r>
-              <a:rPr lang="en-US" dirty="0" err="1" smtClean="0"/>
-              <a:t>arguments.callee</a:t>
-            </a:r>
-            <a:r>
-              <a:rPr lang="en-US" dirty="0" smtClean="0"/>
-              <a:t> local variable.</a:t>
-            </a:r>
+              <a:t>Since this function does </a:t>
+            </a:r>
+            <a:r>
+              <a:rPr lang="en-US" dirty="0" smtClean="0">
+                <a:solidFill>
+                  <a:srgbClr val="00B0F0"/>
+                </a:solidFill>
+              </a:rPr>
+              <a:t>not have a name</a:t>
+            </a:r>
+            <a:r>
+              <a:rPr lang="en-US" dirty="0" smtClean="0"/>
+              <a:t>, to call the function again you use the </a:t>
+            </a:r>
+            <a:r>
+              <a:rPr lang="en-US" dirty="0" err="1" smtClean="0">
+                <a:solidFill>
+                  <a:srgbClr val="00B0F0"/>
+                </a:solidFill>
+              </a:rPr>
+              <a:t>arguments.</a:t>
+            </a:r>
+            <a:r>
+              <a:rPr lang="en-US" dirty="0" err="1" smtClean="0">
+                <a:solidFill>
+                  <a:srgbClr val="FF0000"/>
+                </a:solidFill>
+              </a:rPr>
+              <a:t>callee</a:t>
+            </a:r>
+            <a:r>
+              <a:rPr lang="en-US" dirty="0" smtClean="0"/>
+              <a:t> local variable</a:t>
+            </a:r>
+            <a:r>
+              <a:rPr lang="en-US" dirty="0" smtClean="0"/>
+              <a:t>.</a:t>
+            </a:r>
+            <a:endParaRPr lang="en-US" dirty="0"/>
+          </a:p>
+          <a:p>
+            <a:r>
+              <a:rPr lang="zh-CN" altLang="en-US" dirty="0">
+                <a:solidFill>
+                  <a:srgbClr val="FF0000"/>
+                </a:solidFill>
+              </a:rPr>
+              <a:t>被调用函数</a:t>
+            </a:r>
+            <a:endParaRPr lang="en-US" dirty="0" smtClean="0">
+              <a:solidFill>
+                <a:srgbClr val="FF0000"/>
+              </a:solidFill>
+            </a:endParaRPr>
           </a:p>
           <a:p>
             <a:endParaRPr lang="en-US" dirty="0"/>
@@ -21352,14 +21978,29 @@
                   <a:srgbClr val="1A8505"/>
                 </a:solidFill>
               </a:rPr>
-              <a:t>function will calculate the factorial of any given number</a:t>
+              <a:t>function will calculate the factorial of any given </a:t>
+            </a:r>
+            <a:r>
+              <a:rPr lang="en-US" dirty="0" smtClean="0">
+                <a:solidFill>
+                  <a:srgbClr val="1A8505"/>
+                </a:solidFill>
+              </a:rPr>
+              <a:t>number</a:t>
+            </a:r>
+          </a:p>
+          <a:p>
+            <a:r>
+              <a:rPr lang="zh-CN" altLang="en-US" dirty="0" smtClean="0">
+                <a:solidFill>
+                  <a:srgbClr val="FF0000"/>
+                </a:solidFill>
+              </a:rPr>
+              <a:t>    阶乘</a:t>
             </a:r>
             <a:endParaRPr lang="en-US" dirty="0" smtClean="0">
               <a:solidFill>
-                <a:schemeClr val="tx2">
-                  <a:lumMod val="60000"/>
-                  <a:lumOff val="40000"/>
-                </a:schemeClr>
+                <a:srgbClr val="FF0000"/>
               </a:solidFill>
             </a:endParaRPr>
           </a:p>
@@ -21377,7 +22018,19 @@
             </a:r>
             <a:r>
               <a:rPr lang="en-US" dirty="0" smtClean="0"/>
-              <a:t> factorial </a:t>
+              <a:t> </a:t>
+            </a:r>
+            <a:r>
+              <a:rPr lang="en-US" dirty="0" smtClean="0">
+                <a:solidFill>
+                  <a:srgbClr val="FF0000"/>
+                </a:solidFill>
+              </a:rPr>
+              <a:t>factorial</a:t>
+            </a:r>
+            <a:r>
+              <a:rPr lang="en-US" dirty="0" smtClean="0"/>
+              <a:t> </a:t>
             </a:r>
             <a:r>
               <a:rPr lang="en-US" dirty="0"/>
@@ -21421,7 +22074,11 @@
               <a:t> !(n &gt; 1) ? 1 : </a:t>
             </a:r>
             <a:r>
-              <a:rPr lang="en-US" dirty="0" err="1" smtClean="0"/>
+              <a:rPr lang="en-US" dirty="0" err="1" smtClean="0">
+                <a:solidFill>
+                  <a:srgbClr val="FF0000"/>
+                </a:solidFill>
+              </a:rPr>
               <a:t>arguments.callee</a:t>
             </a:r>
             <a:r>
@@ -21494,14 +22151,30 @@
           <a:lstStyle/>
           <a:p>
             <a:r>
-              <a:rPr lang="en-US" dirty="0" smtClean="0"/>
+              <a:rPr lang="en-US" dirty="0" smtClean="0">
+                <a:solidFill>
+                  <a:srgbClr val="00B0F0"/>
+                </a:solidFill>
+              </a:rPr>
               <a:t>Enclosures</a:t>
             </a:r>
           </a:p>
           <a:p>
             <a:r>
               <a:rPr lang="en-US" dirty="0" smtClean="0"/>
-              <a:t>The get and set of the return object use anonymous functions as enclosures</a:t>
+              <a:t>The get and set of the return </a:t>
+            </a:r>
+            <a:r>
+              <a:rPr lang="en-US" dirty="0" smtClean="0">
+                <a:solidFill>
+                  <a:srgbClr val="FF0000"/>
+                </a:solidFill>
+              </a:rPr>
+              <a:t>object</a:t>
+            </a:r>
+            <a:r>
+              <a:rPr lang="en-US" dirty="0" smtClean="0"/>
+              <a:t> use anonymous functions as enclosures</a:t>
             </a:r>
             <a:endParaRPr lang="en-US" dirty="0"/>
           </a:p>
@@ -21610,27 +22283,20 @@
             <a:r>
               <a:rPr lang="en-US" dirty="0">
                 <a:solidFill>
+                  <a:srgbClr val="FF0000"/>
+                </a:solidFill>
+              </a:rPr>
+              <a:t>get: </a:t>
+            </a:r>
+            <a:r>
+              <a:rPr lang="en-US" dirty="0">
+                <a:solidFill>
                   <a:schemeClr val="tx2">
                     <a:lumMod val="60000"/>
                     <a:lumOff val="40000"/>
                   </a:schemeClr>
                 </a:solidFill>
               </a:rPr>
-              <a:t>get</a:t>
-            </a:r>
-            <a:r>
-              <a:rPr lang="en-US" dirty="0"/>
-              <a:t>: </a:t>
-            </a:r>
-            <a:r>
-              <a:rPr lang="en-US" dirty="0">
-                <a:solidFill>
-                  <a:schemeClr val="tx2">
-                    <a:lumMod val="60000"/>
-                    <a:lumOff val="40000"/>
-                  </a:schemeClr>
-                </a:solidFill>
-              </a:rPr>
               <a:t>function</a:t>
             </a:r>
             <a:r>
@@ -21646,17 +22312,10 @@
             <a:r>
               <a:rPr lang="en-US" dirty="0">
                 <a:solidFill>
-                  <a:schemeClr val="tx2">
-                    <a:lumMod val="60000"/>
-                    <a:lumOff val="40000"/>
-                  </a:schemeClr>
+                  <a:srgbClr val="FF0000"/>
                 </a:solidFill>
               </a:rPr>
-              <a:t>set</a:t>
-            </a:r>
-            <a:r>
-              <a:rPr lang="en-US" dirty="0"/>
-              <a:t>: </a:t>
+              <a:t>set: </a:t>
             </a:r>
             <a:r>
               <a:rPr lang="en-US" dirty="0">
@@ -21852,21 +22511,33 @@
           <a:p>
             <a:pPr lvl="1"/>
             <a:r>
-              <a:rPr lang="en-US" dirty="0" smtClean="0"/>
+              <a:rPr lang="en-US" dirty="0" smtClean="0">
+                <a:solidFill>
+                  <a:srgbClr val="FF0000"/>
+                </a:solidFill>
+              </a:rPr>
               <a:t>Syntax Errors</a:t>
             </a:r>
           </a:p>
           <a:p>
             <a:pPr lvl="1"/>
             <a:r>
-              <a:rPr lang="en-US" dirty="0" smtClean="0"/>
+              <a:rPr lang="en-US" dirty="0" smtClean="0">
+                <a:solidFill>
+                  <a:srgbClr val="FF0000"/>
+                </a:solidFill>
+              </a:rPr>
               <a:t>Runtime Errors</a:t>
             </a:r>
           </a:p>
           <a:p>
             <a:pPr lvl="1"/>
             <a:r>
-              <a:rPr lang="en-US" dirty="0" smtClean="0"/>
+              <a:rPr lang="en-US" dirty="0" smtClean="0">
+                <a:solidFill>
+                  <a:srgbClr val="FF0000"/>
+                </a:solidFill>
+              </a:rPr>
               <a:t>Logical Errors</a:t>
             </a:r>
           </a:p>
@@ -21879,15 +22550,31 @@
           <a:p>
             <a:pPr lvl="1"/>
             <a:r>
-              <a:rPr lang="en-US" dirty="0" smtClean="0"/>
-              <a:t>Try…catch…finally statement</a:t>
+              <a:rPr lang="en-US" dirty="0" smtClean="0">
+                <a:solidFill>
+                  <a:srgbClr val="FF0000"/>
+                </a:solidFill>
+              </a:rPr>
+              <a:t>Try…catch…finally</a:t>
+            </a:r>
+            <a:r>
+              <a:rPr lang="en-US" dirty="0" smtClean="0"/>
+              <a:t> statement</a:t>
             </a:r>
           </a:p>
           <a:p>
             <a:pPr lvl="1"/>
             <a:r>
-              <a:rPr lang="en-US" dirty="0" smtClean="0"/>
-              <a:t>Throw statement</a:t>
+              <a:rPr lang="en-US" dirty="0" smtClean="0">
+                <a:solidFill>
+                  <a:srgbClr val="FF0000"/>
+                </a:solidFill>
+              </a:rPr>
+              <a:t>Throw </a:t>
+            </a:r>
+            <a:r>
+              <a:rPr lang="en-US" dirty="0" smtClean="0"/>
+              <a:t>statement</a:t>
             </a:r>
           </a:p>
           <a:p>
@@ -21897,12 +22584,24 @@
               <a:t>The </a:t>
             </a:r>
             <a:r>
-              <a:rPr lang="en-US" dirty="0" err="1" smtClean="0"/>
+              <a:rPr lang="en-US" dirty="0" err="1" smtClean="0">
+                <a:solidFill>
+                  <a:srgbClr val="FF0000"/>
+                </a:solidFill>
+              </a:rPr>
               <a:t>onerror</a:t>
             </a:r>
             <a:r>
-              <a:rPr lang="en-US" dirty="0" smtClean="0"/>
-              <a:t>() method</a:t>
+              <a:rPr lang="en-US" dirty="0" smtClean="0">
+                <a:solidFill>
+                  <a:srgbClr val="FF0000"/>
+                </a:solidFill>
+              </a:rPr>
+              <a:t>() </a:t>
+            </a:r>
+            <a:r>
+              <a:rPr lang="en-US" dirty="0" smtClean="0"/>
+              <a:t>method</a:t>
             </a:r>
           </a:p>
           <a:p>
@@ -21988,39 +22687,127 @@
           <a:p>
             <a:r>
               <a:rPr lang="en-US" dirty="0" smtClean="0"/>
-              <a:t>The try block  executes code that is subject to break</a:t>
+              <a:t>The try block  executes code that is </a:t>
+            </a:r>
+            <a:r>
+              <a:rPr lang="en-US" dirty="0" smtClean="0">
+                <a:solidFill>
+                  <a:srgbClr val="FF0000"/>
+                </a:solidFill>
+              </a:rPr>
+              <a:t>subject </a:t>
+            </a:r>
+            <a:r>
+              <a:rPr lang="en-US" dirty="0" smtClean="0"/>
+              <a:t>to break</a:t>
             </a:r>
           </a:p>
           <a:p>
             <a:pPr lvl="1"/>
             <a:r>
               <a:rPr lang="en-US" dirty="0" smtClean="0"/>
-              <a:t>It must be followed by either exactly one catch block or one finally block or one of both</a:t>
+              <a:t>It must be followed by either exactly one </a:t>
+            </a:r>
+            <a:r>
+              <a:rPr lang="en-US" b="1" i="1" dirty="0" smtClean="0"/>
+              <a:t>catch block </a:t>
+            </a:r>
+            <a:r>
+              <a:rPr lang="en-US" dirty="0" smtClean="0"/>
+              <a:t>or one </a:t>
+            </a:r>
+            <a:r>
+              <a:rPr lang="en-US" b="1" i="1" dirty="0" smtClean="0"/>
+              <a:t>finally block </a:t>
+            </a:r>
+            <a:r>
+              <a:rPr lang="en-US" dirty="0" smtClean="0"/>
+              <a:t>or one of </a:t>
+            </a:r>
+            <a:r>
+              <a:rPr lang="en-US" b="1" i="1" dirty="0" smtClean="0"/>
+              <a:t>both</a:t>
             </a:r>
           </a:p>
           <a:p>
             <a:pPr lvl="1"/>
             <a:r>
               <a:rPr lang="en-US" dirty="0" smtClean="0"/>
-              <a:t>When exception occurs, the exception is passed to the catch block</a:t>
-            </a:r>
-          </a:p>
-          <a:p>
-            <a:r>
-              <a:rPr lang="en-US" dirty="0" smtClean="0"/>
-              <a:t>The catch block executes code that should only be ran if an exception was caught</a:t>
-            </a:r>
-          </a:p>
-          <a:p>
-            <a:r>
-              <a:rPr lang="en-US" dirty="0" smtClean="0"/>
-              <a:t>The finally block is optional, but if included, it will always execute regardless if an exception has occurred</a:t>
-            </a:r>
-          </a:p>
-          <a:p>
-            <a:r>
-              <a:rPr lang="en-US" dirty="0" smtClean="0"/>
-              <a:t>Note: Only programmer generated and runtime exceptions can be caught; syntax errors will not be</a:t>
+              <a:t>When exception occurs, the exception </a:t>
+            </a:r>
+            <a:r>
+              <a:rPr lang="en-US" u="sng" dirty="0" smtClean="0"/>
+              <a:t>is passed to</a:t>
+            </a:r>
+            <a:r>
+              <a:rPr lang="en-US" dirty="0" smtClean="0"/>
+              <a:t> the catch block</a:t>
+            </a:r>
+          </a:p>
+          <a:p>
+            <a:r>
+              <a:rPr lang="en-US" dirty="0" smtClean="0"/>
+              <a:t>The catch block executes code that should only be ran if an </a:t>
+            </a:r>
+            <a:r>
+              <a:rPr lang="en-US" dirty="0" smtClean="0">
+                <a:solidFill>
+                  <a:srgbClr val="00B0F0"/>
+                </a:solidFill>
+              </a:rPr>
+              <a:t>exception was caught</a:t>
+            </a:r>
+          </a:p>
+          <a:p>
+            <a:r>
+              <a:rPr lang="en-US" dirty="0" smtClean="0"/>
+              <a:t>The finally block is </a:t>
+            </a:r>
+            <a:r>
+              <a:rPr lang="en-US" u="sng" dirty="0" smtClean="0"/>
+              <a:t>optional</a:t>
+            </a:r>
+            <a:r>
+              <a:rPr lang="en-US" dirty="0" smtClean="0"/>
+              <a:t>, but if included, </a:t>
+            </a:r>
+            <a:r>
+              <a:rPr lang="en-US" dirty="0" smtClean="0">
+                <a:solidFill>
+                  <a:srgbClr val="00B0F0"/>
+                </a:solidFill>
+              </a:rPr>
+              <a:t>it will always execute </a:t>
+            </a:r>
+            <a:r>
+              <a:rPr lang="en-US" dirty="0" smtClean="0"/>
+              <a:t>regardless if an exception has occurred</a:t>
+            </a:r>
+          </a:p>
+          <a:p>
+            <a:r>
+              <a:rPr lang="en-US" dirty="0" smtClean="0"/>
+              <a:t>Note: Only programmer generated and runtime </a:t>
+            </a:r>
+            <a:r>
+              <a:rPr lang="en-US" b="1" dirty="0" smtClean="0"/>
+              <a:t>exceptions</a:t>
+            </a:r>
+            <a:r>
+              <a:rPr lang="en-US" dirty="0" smtClean="0"/>
+              <a:t> can be caught; </a:t>
+            </a:r>
+            <a:r>
+              <a:rPr lang="en-US" dirty="0" smtClean="0">
+                <a:solidFill>
+                  <a:srgbClr val="00B0F0"/>
+                </a:solidFill>
+              </a:rPr>
+              <a:t>syntax errors </a:t>
+            </a:r>
+            <a:r>
+              <a:rPr lang="en-US" dirty="0" smtClean="0"/>
+              <a:t>will not be</a:t>
             </a:r>
           </a:p>
         </p:txBody>
@@ -22102,29 +22889,61 @@
           <a:p>
             <a:r>
               <a:rPr lang="en-US" dirty="0" smtClean="0"/>
-              <a:t>Throw statements are used to either raise built-in exceptions or any other customized exceptions</a:t>
-            </a:r>
-          </a:p>
-          <a:p>
-            <a:r>
-              <a:rPr lang="en-US" dirty="0" smtClean="0"/>
-              <a:t>The customized exception can be a String, number, </a:t>
-            </a:r>
-            <a:r>
-              <a:rPr lang="en-US" dirty="0" err="1" smtClean="0"/>
+              <a:t>Throw statements are used to either raise </a:t>
+            </a:r>
+            <a:r>
+              <a:rPr lang="en-US" b="1" dirty="0" smtClean="0"/>
+              <a:t>built-in</a:t>
+            </a:r>
+            <a:r>
+              <a:rPr lang="en-US" dirty="0" smtClean="0"/>
+              <a:t> exceptions or any other </a:t>
+            </a:r>
+            <a:r>
+              <a:rPr lang="en-US" b="1" dirty="0" smtClean="0"/>
+              <a:t>customized</a:t>
+            </a:r>
+            <a:r>
+              <a:rPr lang="en-US" dirty="0" smtClean="0"/>
+              <a:t> exceptions</a:t>
+            </a:r>
+          </a:p>
+          <a:p>
+            <a:r>
+              <a:rPr lang="en-US" dirty="0" smtClean="0"/>
+              <a:t>The customized exception can be a </a:t>
+            </a:r>
+            <a:r>
+              <a:rPr lang="en-US" b="1" u="sng" dirty="0" smtClean="0"/>
+              <a:t>String, number, </a:t>
+            </a:r>
+            <a:r>
+              <a:rPr lang="en-US" b="1" u="sng" dirty="0" err="1" smtClean="0"/>
               <a:t>boolean</a:t>
             </a:r>
             <a:r>
-              <a:rPr lang="en-US" dirty="0" smtClean="0"/>
+              <a:rPr lang="en-US" b="1" u="sng" dirty="0" smtClean="0"/>
               <a:t> or an object</a:t>
             </a:r>
           </a:p>
           <a:p>
             <a:r>
               <a:rPr lang="en-US" dirty="0" smtClean="0"/>
-              <a:t>Throw statements can be used inside try and catch statements or they can be used inside other functions</a:t>
-            </a:r>
-            <a:endParaRPr lang="en-US" dirty="0"/>
+              <a:t>Throw statements can be used inside </a:t>
+            </a:r>
+            <a:r>
+              <a:rPr lang="en-US" b="1" dirty="0" smtClean="0"/>
+              <a:t>try and catch </a:t>
+            </a:r>
+            <a:r>
+              <a:rPr lang="en-US" dirty="0" smtClean="0"/>
+              <a:t>statements or they can be used </a:t>
+            </a:r>
+            <a:r>
+              <a:rPr lang="en-US" b="1" dirty="0" smtClean="0"/>
+              <a:t>inside other functions</a:t>
+            </a:r>
+            <a:endParaRPr lang="en-US" b="1" dirty="0"/>
           </a:p>
         </p:txBody>
       </p:sp>
@@ -22216,18 +23035,50 @@
               <a:t>The </a:t>
             </a:r>
             <a:r>
-              <a:rPr lang="en-US" dirty="0" err="1" smtClean="0"/>
+              <a:rPr lang="en-US" b="1" dirty="0" err="1" smtClean="0">
+                <a:solidFill>
+                  <a:srgbClr val="00B0F0"/>
+                </a:solidFill>
+              </a:rPr>
               <a:t>onerror</a:t>
             </a:r>
             <a:r>
-              <a:rPr lang="en-US" dirty="0" smtClean="0"/>
-              <a:t>() method is an event handler fired whenever an exception occurs on the page</a:t>
-            </a:r>
-          </a:p>
-          <a:p>
-            <a:r>
-              <a:rPr lang="en-US" dirty="0" smtClean="0"/>
-              <a:t>It is declared as a function through out the code</a:t>
+              <a:rPr lang="en-US" b="1" dirty="0" smtClean="0">
+                <a:solidFill>
+                  <a:srgbClr val="00B0F0"/>
+                </a:solidFill>
+              </a:rPr>
+              <a:t>() </a:t>
+            </a:r>
+            <a:r>
+              <a:rPr lang="en-US" dirty="0" smtClean="0"/>
+              <a:t>method is an </a:t>
+            </a:r>
+            <a:r>
+              <a:rPr lang="en-US" dirty="0" smtClean="0">
+                <a:solidFill>
+                  <a:srgbClr val="00B0F0"/>
+                </a:solidFill>
+              </a:rPr>
+              <a:t>event handler </a:t>
+            </a:r>
+            <a:r>
+              <a:rPr lang="en-US" dirty="0" smtClean="0"/>
+              <a:t>fired whenever an exception occurs on the page</a:t>
+            </a:r>
+          </a:p>
+          <a:p>
+            <a:r>
+              <a:rPr lang="en-US" dirty="0" smtClean="0"/>
+              <a:t>It is declared as a </a:t>
+            </a:r>
+            <a:r>
+              <a:rPr lang="en-US" b="1" dirty="0" smtClean="0"/>
+              <a:t>function</a:t>
+            </a:r>
+            <a:r>
+              <a:rPr lang="en-US" dirty="0" smtClean="0"/>
+              <a:t> through out the code</a:t>
             </a:r>
           </a:p>
           <a:p>
@@ -22240,27 +23091,67 @@
             <a:pPr lvl="1"/>
             <a:r>
               <a:rPr lang="en-US" dirty="0" smtClean="0"/>
-              <a:t>An error message</a:t>
+              <a:t>An </a:t>
+            </a:r>
+            <a:r>
+              <a:rPr lang="en-US" dirty="0" smtClean="0">
+                <a:solidFill>
+                  <a:srgbClr val="00B0F0"/>
+                </a:solidFill>
+              </a:rPr>
+              <a:t>error message</a:t>
             </a:r>
           </a:p>
           <a:p>
             <a:pPr lvl="1"/>
             <a:r>
               <a:rPr lang="en-US" dirty="0" smtClean="0"/>
-              <a:t>The file in which the error occurred</a:t>
+              <a:t>The file in which the </a:t>
+            </a:r>
+            <a:r>
+              <a:rPr lang="en-US" dirty="0" smtClean="0">
+                <a:solidFill>
+                  <a:srgbClr val="00B0F0"/>
+                </a:solidFill>
+              </a:rPr>
+              <a:t>error </a:t>
+            </a:r>
+            <a:r>
+              <a:rPr lang="en-US" dirty="0" smtClean="0"/>
+              <a:t>occurred</a:t>
             </a:r>
           </a:p>
           <a:p>
             <a:pPr lvl="1"/>
             <a:r>
               <a:rPr lang="en-US" dirty="0" smtClean="0"/>
-              <a:t>The line number in the code</a:t>
-            </a:r>
-          </a:p>
-          <a:p>
-            <a:r>
-              <a:rPr lang="en-US" dirty="0" smtClean="0"/>
-              <a:t>The information can be manipulated to be displayed in any way that you like</a:t>
+              <a:t>The </a:t>
+            </a:r>
+            <a:r>
+              <a:rPr lang="en-US" dirty="0" smtClean="0">
+                <a:solidFill>
+                  <a:srgbClr val="00B0F0"/>
+                </a:solidFill>
+              </a:rPr>
+              <a:t>line number </a:t>
+            </a:r>
+            <a:r>
+              <a:rPr lang="en-US" dirty="0" smtClean="0"/>
+              <a:t>in the code</a:t>
+            </a:r>
+          </a:p>
+          <a:p>
+            <a:r>
+              <a:rPr lang="en-US" dirty="0" smtClean="0"/>
+              <a:t>The information can be </a:t>
+            </a:r>
+            <a:r>
+              <a:rPr lang="en-US" b="1" dirty="0" smtClean="0"/>
+              <a:t>manipulated</a:t>
+            </a:r>
+            <a:r>
+              <a:rPr lang="en-US" dirty="0" smtClean="0"/>
+              <a:t> to be displayed in any way that you like</a:t>
             </a:r>
             <a:endParaRPr lang="en-US" dirty="0"/>
           </a:p>
@@ -22419,11 +23310,7 @@
           <a:p>
             <a:r>
               <a:rPr lang="en-GB" dirty="0" smtClean="0"/>
-              <a:t>Errors </a:t>
-            </a:r>
-            <a:r>
-              <a:rPr lang="en-GB" smtClean="0"/>
-              <a:t>and Exceptions</a:t>
+              <a:t>Errors and Exceptions</a:t>
             </a:r>
             <a:endParaRPr lang="en-GB" dirty="0"/>
           </a:p>
@@ -22880,14 +23767,14 @@
                 <a:gridCol w="5762625">
                   <a:extLst>
                     <a:ext uri="{9D8B030D-6E8A-4147-A177-3AD203B41FA5}">
-                      <a16:colId xmlns:a16="http://schemas.microsoft.com/office/drawing/2014/main" val="20000"/>
+                      <a16:colId xmlns="" xmlns:a16="http://schemas.microsoft.com/office/drawing/2014/main" val="20000"/>
                     </a:ext>
                   </a:extLst>
                 </a:gridCol>
                 <a:gridCol w="5762625">
                   <a:extLst>
                     <a:ext uri="{9D8B030D-6E8A-4147-A177-3AD203B41FA5}">
-                      <a16:colId xmlns:a16="http://schemas.microsoft.com/office/drawing/2014/main" val="20001"/>
+                      <a16:colId xmlns="" xmlns:a16="http://schemas.microsoft.com/office/drawing/2014/main" val="20001"/>
                     </a:ext>
                   </a:extLst>
                 </a:gridCol>
@@ -22925,7 +23812,7 @@
                 </a:tc>
                 <a:extLst>
                   <a:ext uri="{0D108BD9-81ED-4DB2-BD59-A6C34878D82A}">
-                    <a16:rowId xmlns:a16="http://schemas.microsoft.com/office/drawing/2014/main" val="10000"/>
+                    <a16:rowId xmlns="" xmlns:a16="http://schemas.microsoft.com/office/drawing/2014/main" val="10000"/>
                   </a:ext>
                 </a:extLst>
               </a:tr>
@@ -22990,7 +23877,7 @@
                 </a:tc>
                 <a:extLst>
                   <a:ext uri="{0D108BD9-81ED-4DB2-BD59-A6C34878D82A}">
-                    <a16:rowId xmlns:a16="http://schemas.microsoft.com/office/drawing/2014/main" val="10001"/>
+                    <a16:rowId xmlns="" xmlns:a16="http://schemas.microsoft.com/office/drawing/2014/main" val="10001"/>
                   </a:ext>
                 </a:extLst>
               </a:tr>
@@ -23058,7 +23945,7 @@
                 </a:tc>
                 <a:extLst>
                   <a:ext uri="{0D108BD9-81ED-4DB2-BD59-A6C34878D82A}">
-                    <a16:rowId xmlns:a16="http://schemas.microsoft.com/office/drawing/2014/main" val="10002"/>
+                    <a16:rowId xmlns="" xmlns:a16="http://schemas.microsoft.com/office/drawing/2014/main" val="10002"/>
                   </a:ext>
                 </a:extLst>
               </a:tr>
@@ -23122,7 +24009,7 @@
                 </a:tc>
                 <a:extLst>
                   <a:ext uri="{0D108BD9-81ED-4DB2-BD59-A6C34878D82A}">
-                    <a16:rowId xmlns:a16="http://schemas.microsoft.com/office/drawing/2014/main" val="10003"/>
+                    <a16:rowId xmlns="" xmlns:a16="http://schemas.microsoft.com/office/drawing/2014/main" val="10003"/>
                   </a:ext>
                 </a:extLst>
               </a:tr>
@@ -23390,15 +24277,27 @@
               <a:t>Functions and </a:t>
             </a:r>
             <a:r>
-              <a:rPr lang="en-US" dirty="0" smtClean="0"/>
+              <a:rPr lang="en-US" dirty="0" smtClean="0">
+                <a:solidFill>
+                  <a:srgbClr val="00B0F0"/>
+                </a:solidFill>
+              </a:rPr>
               <a:t>Enclosures</a:t>
             </a:r>
           </a:p>
           <a:p>
             <a:pPr fontAlgn="ctr"/>
             <a:r>
-              <a:rPr lang="en-US" dirty="0" smtClean="0"/>
-              <a:t>Anonymous </a:t>
+              <a:rPr lang="en-US" dirty="0" smtClean="0">
+                <a:solidFill>
+                  <a:srgbClr val="00B0F0"/>
+                </a:solidFill>
+              </a:rPr>
+              <a:t>Anonymous</a:t>
+            </a:r>
+            <a:r>
+              <a:rPr lang="en-US" dirty="0" smtClean="0"/>
+              <a:t> </a:t>
             </a:r>
             <a:r>
               <a:rPr lang="en-US" dirty="0"/>
@@ -23413,14 +24312,30 @@
             </a:r>
             <a:r>
               <a:rPr lang="en-US" dirty="0"/>
-              <a:t>and bracket notation</a:t>
+              <a:t>and bracket </a:t>
+            </a:r>
+            <a:r>
+              <a:rPr lang="en-US" dirty="0">
+                <a:solidFill>
+                  <a:srgbClr val="00B0F0"/>
+                </a:solidFill>
+              </a:rPr>
+              <a:t>notation</a:t>
             </a:r>
           </a:p>
           <a:p>
             <a:pPr fontAlgn="ctr"/>
             <a:r>
               <a:rPr lang="en-US" dirty="0"/>
-              <a:t>Errors and exceptions</a:t>
+              <a:t>Errors and </a:t>
+            </a:r>
+            <a:r>
+              <a:rPr lang="en-US" dirty="0">
+                <a:solidFill>
+                  <a:srgbClr val="00B0F0"/>
+                </a:solidFill>
+              </a:rPr>
+              <a:t>exceptions</a:t>
             </a:r>
           </a:p>
         </p:txBody>
@@ -23511,7 +24426,19 @@
           <a:p>
             <a:r>
               <a:rPr lang="en-US" dirty="0" smtClean="0"/>
-              <a:t>It is a dynamic scripting language that supports prototype based object construction</a:t>
+              <a:t>It is </a:t>
+            </a:r>
+            <a:r>
+              <a:rPr lang="en-US" dirty="0" smtClean="0">
+                <a:solidFill>
+                  <a:srgbClr val="00B0F0"/>
+                </a:solidFill>
+              </a:rPr>
+              <a:t>a dynamic scripting language </a:t>
+            </a:r>
+            <a:r>
+              <a:rPr lang="en-US" dirty="0" smtClean="0"/>
+              <a:t>that supports prototype based object construction</a:t>
             </a:r>
           </a:p>
           <a:p>
@@ -23520,9 +24447,21 @@
           <a:p>
             <a:r>
               <a:rPr lang="en-US" dirty="0" smtClean="0"/>
-              <a:t>Many of the basic syntax and language constructs are similar to Java and C++</a:t>
-            </a:r>
-            <a:endParaRPr lang="en-US" dirty="0"/>
+              <a:t>Many of the basic syntax and language constructs are similar to </a:t>
+            </a:r>
+            <a:r>
+              <a:rPr lang="en-US" dirty="0" smtClean="0">
+                <a:solidFill>
+                  <a:srgbClr val="00B0F0"/>
+                </a:solidFill>
+              </a:rPr>
+              <a:t>Java and C++</a:t>
+            </a:r>
+            <a:endParaRPr lang="en-US" dirty="0">
+              <a:solidFill>
+                <a:srgbClr val="00B0F0"/>
+              </a:solidFill>
+            </a:endParaRPr>
           </a:p>
         </p:txBody>
       </p:sp>
@@ -24632,6 +25571,12 @@
 </file>
 
 <file path=customXml/item1.xml><?xml version="1.0" encoding="utf-8"?>
+<p:properties xmlns:p="http://schemas.microsoft.com/office/2006/metadata/properties" xmlns:xsi="http://www.w3.org/2001/XMLSchema-instance" xmlns:pc="http://schemas.microsoft.com/office/infopath/2007/PartnerControls">
+  <documentManagement/>
+</p:properties>
+</file>
+
+<file path=customXml/item2.xml><?xml version="1.0" encoding="utf-8"?>
 <?mso-contentType ?>
 <FormTemplates xmlns="http://schemas.microsoft.com/sharepoint/v3/contenttype/forms">
   <Display>DocumentLibraryForm</Display>
@@ -24640,7 +25585,7 @@
 </FormTemplates>
 </file>
 
-<file path=customXml/item2.xml><?xml version="1.0" encoding="utf-8"?>
+<file path=customXml/item3.xml><?xml version="1.0" encoding="utf-8"?>
 <ct:contentTypeSchema xmlns:ct="http://schemas.microsoft.com/office/2006/metadata/contentType" xmlns:ma="http://schemas.microsoft.com/office/2006/metadata/properties/metaAttributes" ct:_="" ma:_="" ma:contentTypeName="Document" ma:contentTypeID="0x010100BD9BF63586D9884E9335F37127EABBE8" ma:contentTypeVersion="1" ma:contentTypeDescription="Create a new document." ma:contentTypeScope="" ma:versionID="3b40c7f62b06f9f0cd473a069af3a91f">
   <xsd:schema xmlns:xsd="http://www.w3.org/2001/XMLSchema" xmlns:xs="http://www.w3.org/2001/XMLSchema" xmlns:p="http://schemas.microsoft.com/office/2006/metadata/properties" xmlns:ns3="e5a13ba8-98e3-4f23-a221-7ac9824aa662" targetNamespace="http://schemas.microsoft.com/office/2006/metadata/properties" ma:root="true" ma:fieldsID="4327d685be69599737fa0038b3ab671f" ns3:_="">
     <xsd:import namespace="e5a13ba8-98e3-4f23-a221-7ac9824aa662"/>
@@ -24780,13 +25725,23 @@
 </ct:contentTypeSchema>
 </file>
 
-<file path=customXml/item3.xml><?xml version="1.0" encoding="utf-8"?>
-<p:properties xmlns:p="http://schemas.microsoft.com/office/2006/metadata/properties" xmlns:xsi="http://www.w3.org/2001/XMLSchema-instance" xmlns:pc="http://schemas.microsoft.com/office/infopath/2007/PartnerControls">
-  <documentManagement/>
-</p:properties>
+<file path=customXml/itemProps1.xml><?xml version="1.0" encoding="utf-8"?>
+<ds:datastoreItem xmlns:ds="http://schemas.openxmlformats.org/officeDocument/2006/customXml" ds:itemID="{7025FDD9-4C58-4084-9F89-0E6ADD6FFF55}">
+  <ds:schemaRefs>
+    <ds:schemaRef ds:uri="http://purl.org/dc/terms/"/>
+    <ds:schemaRef ds:uri="http://schemas.openxmlformats.org/package/2006/metadata/core-properties"/>
+    <ds:schemaRef ds:uri="http://schemas.microsoft.com/office/2006/documentManagement/types"/>
+    <ds:schemaRef ds:uri="http://purl.org/dc/elements/1.1/"/>
+    <ds:schemaRef ds:uri="http://schemas.microsoft.com/office/2006/metadata/properties"/>
+    <ds:schemaRef ds:uri="http://schemas.microsoft.com/office/infopath/2007/PartnerControls"/>
+    <ds:schemaRef ds:uri="e5a13ba8-98e3-4f23-a221-7ac9824aa662"/>
+    <ds:schemaRef ds:uri="http://www.w3.org/XML/1998/namespace"/>
+    <ds:schemaRef ds:uri="http://purl.org/dc/dcmitype/"/>
+  </ds:schemaRefs>
+</ds:datastoreItem>
 </file>
 
-<file path=customXml/itemProps1.xml><?xml version="1.0" encoding="utf-8"?>
+<file path=customXml/itemProps2.xml><?xml version="1.0" encoding="utf-8"?>
 <ds:datastoreItem xmlns:ds="http://schemas.openxmlformats.org/officeDocument/2006/customXml" ds:itemID="{B0CA13EC-1D3C-4D6F-8D1C-E8A452CFC79A}">
   <ds:schemaRefs>
     <ds:schemaRef ds:uri="http://schemas.microsoft.com/sharepoint/v3/contenttype/forms"/>
@@ -24794,7 +25749,7 @@
 </ds:datastoreItem>
 </file>
 
-<file path=customXml/itemProps2.xml><?xml version="1.0" encoding="utf-8"?>
+<file path=customXml/itemProps3.xml><?xml version="1.0" encoding="utf-8"?>
 <ds:datastoreItem xmlns:ds="http://schemas.openxmlformats.org/officeDocument/2006/customXml" ds:itemID="{DABDB566-B5C0-42A7-A33C-2648D176B99D}">
   <ds:schemaRefs>
     <ds:schemaRef ds:uri="http://schemas.microsoft.com/office/2006/metadata/contentType"/>
@@ -24810,20 +25765,4 @@
     <ds:schemaRef ds:uri="http://schemas.microsoft.com/internal/obd"/>
   </ds:schemaRefs>
 </ds:datastoreItem>
-</file>
-
-<file path=customXml/itemProps3.xml><?xml version="1.0" encoding="utf-8"?>
-<ds:datastoreItem xmlns:ds="http://schemas.openxmlformats.org/officeDocument/2006/customXml" ds:itemID="{7025FDD9-4C58-4084-9F89-0E6ADD6FFF55}">
-  <ds:schemaRefs>
-    <ds:schemaRef ds:uri="http://purl.org/dc/terms/"/>
-    <ds:schemaRef ds:uri="http://schemas.openxmlformats.org/package/2006/metadata/core-properties"/>
-    <ds:schemaRef ds:uri="http://schemas.microsoft.com/office/2006/documentManagement/types"/>
-    <ds:schemaRef ds:uri="http://purl.org/dc/elements/1.1/"/>
-    <ds:schemaRef ds:uri="http://schemas.microsoft.com/office/2006/metadata/properties"/>
-    <ds:schemaRef ds:uri="http://schemas.microsoft.com/office/infopath/2007/PartnerControls"/>
-    <ds:schemaRef ds:uri="e5a13ba8-98e3-4f23-a221-7ac9824aa662"/>
-    <ds:schemaRef ds:uri="http://www.w3.org/XML/1998/namespace"/>
-    <ds:schemaRef ds:uri="http://purl.org/dc/dcmitype/"/>
-  </ds:schemaRefs>
-</ds:datastoreItem>
 </file>